--- a/Презентация.pptx
+++ b/Презентация.pptx
@@ -267,7 +267,7 @@
   </p:defaultTextStyle>
   <p:extLst>
     <p:ext uri="{EFAFB233-063F-42B5-8137-9DF3F51BA10A}">
-      <p15:sldGuideLst xmlns:ahyp="http://schemas.microsoft.com/office/drawing/2018/hyperlinkcolor" xmlns:p15="http://schemas.microsoft.com/office/powerpoint/2012/main" xmlns:p14="http://schemas.microsoft.com/office/powerpoint/2010/main" xmlns:com="http://schemas.openxmlformats.org/drawingml/2006/compatibility" xmlns:pvml="urn:schemas-microsoft-com:office:powerpoint" xmlns:v="urn:schemas-microsoft-com:vml" xmlns:o="urn:schemas-microsoft-com:office:office" xmlns:dgm="http://schemas.openxmlformats.org/drawingml/2006/diagram" xmlns:c="http://schemas.openxmlformats.org/drawingml/2006/chart" xmlns:mv="urn:schemas-microsoft-com:mac:vml" xmlns:mc="http://schemas.openxmlformats.org/markup-compatibility/2006" xmlns="">
+      <p15:sldGuideLst xmlns="" xmlns:mc="http://schemas.openxmlformats.org/markup-compatibility/2006" xmlns:mv="urn:schemas-microsoft-com:mac:vml" xmlns:c="http://schemas.openxmlformats.org/drawingml/2006/chart" xmlns:dgm="http://schemas.openxmlformats.org/drawingml/2006/diagram" xmlns:o="urn:schemas-microsoft-com:office:office" xmlns:v="urn:schemas-microsoft-com:vml" xmlns:pvml="urn:schemas-microsoft-com:office:powerpoint" xmlns:com="http://schemas.openxmlformats.org/drawingml/2006/compatibility" xmlns:p14="http://schemas.microsoft.com/office/powerpoint/2010/main" xmlns:p15="http://schemas.microsoft.com/office/powerpoint/2012/main" xmlns:ahyp="http://schemas.microsoft.com/office/drawing/2018/hyperlinkcolor">
         <p15:guide id="1" orient="horz" pos="1620">
           <p15:clr>
             <a:srgbClr val="A4A3A4"/>
@@ -1383,7 +1383,7 @@
         </p:nvSpPr>
         <p:spPr>
           <a:xfrm>
-            <a:off x="381300" y="685800"/>
+            <a:off x="381000" y="685800"/>
             <a:ext cx="6096000" cy="3429000"/>
           </a:xfrm>
           <a:custGeom>
@@ -9052,7 +9052,7 @@
         <p14:flip dir="l"/>
       </p:transition>
     </mc:Choice>
-    <mc:Fallback xmlns:ahyp="http://schemas.microsoft.com/office/drawing/2018/hyperlinkcolor" xmlns:p15="http://schemas.microsoft.com/office/powerpoint/2012/main" xmlns:com="http://schemas.openxmlformats.org/drawingml/2006/compatibility" xmlns:pvml="urn:schemas-microsoft-com:office:powerpoint" xmlns:v="urn:schemas-microsoft-com:vml" xmlns:o="urn:schemas-microsoft-com:office:office" xmlns:dgm="http://schemas.openxmlformats.org/drawingml/2006/diagram" xmlns:c="http://schemas.openxmlformats.org/drawingml/2006/chart" xmlns:mv="urn:schemas-microsoft-com:mac:vml" xmlns="">
+    <mc:Fallback xmlns="" xmlns:mv="urn:schemas-microsoft-com:mac:vml" xmlns:c="http://schemas.openxmlformats.org/drawingml/2006/chart" xmlns:dgm="http://schemas.openxmlformats.org/drawingml/2006/diagram" xmlns:o="urn:schemas-microsoft-com:office:office" xmlns:v="urn:schemas-microsoft-com:vml" xmlns:pvml="urn:schemas-microsoft-com:office:powerpoint" xmlns:com="http://schemas.openxmlformats.org/drawingml/2006/compatibility" xmlns:p15="http://schemas.microsoft.com/office/powerpoint/2012/main" xmlns:ahyp="http://schemas.microsoft.com/office/drawing/2018/hyperlinkcolor">
       <p:transition spd="slow">
         <p:fade/>
       </p:transition>
@@ -9815,13 +9815,13 @@
   <p:clrMapOvr>
     <a:masterClrMapping/>
   </p:clrMapOvr>
-  <mc:AlternateContent xmlns:mc="http://schemas.openxmlformats.org/markup-compatibility/2006">
-    <mc:Choice xmlns:p14="http://schemas.microsoft.com/office/powerpoint/2010/main" Requires="p14">
+  <mc:AlternateContent xmlns:mc="http://schemas.openxmlformats.org/markup-compatibility/2006" xmlns:p14="http://schemas.microsoft.com/office/powerpoint/2010/main">
+    <mc:Choice Requires="p14">
       <p:transition spd="slow" p14:dur="1200">
         <p:dissolve/>
       </p:transition>
     </mc:Choice>
-    <mc:Fallback>
+    <mc:Fallback xmlns="">
       <p:transition spd="slow">
         <p:dissolve/>
       </p:transition>
@@ -9978,13 +9978,13 @@
   <p:clrMapOvr>
     <a:masterClrMapping/>
   </p:clrMapOvr>
-  <mc:AlternateContent xmlns:mc="http://schemas.openxmlformats.org/markup-compatibility/2006">
-    <mc:Choice xmlns:p14="http://schemas.microsoft.com/office/powerpoint/2010/main" Requires="p14">
+  <mc:AlternateContent xmlns:mc="http://schemas.openxmlformats.org/markup-compatibility/2006" xmlns:p14="http://schemas.microsoft.com/office/powerpoint/2010/main">
+    <mc:Choice Requires="p14">
       <p:transition spd="slow" p14:dur="4400">
         <p14:honeycomb/>
       </p:transition>
     </mc:Choice>
-    <mc:Fallback>
+    <mc:Fallback xmlns="">
       <p:transition spd="slow">
         <p:fade/>
       </p:transition>
@@ -10225,13 +10225,13 @@
   <p:clrMapOvr>
     <a:masterClrMapping/>
   </p:clrMapOvr>
-  <mc:AlternateContent xmlns:mc="http://schemas.openxmlformats.org/markup-compatibility/2006">
-    <mc:Choice xmlns:p14="http://schemas.microsoft.com/office/powerpoint/2010/main" Requires="p14">
+  <mc:AlternateContent xmlns:mc="http://schemas.openxmlformats.org/markup-compatibility/2006" xmlns:p14="http://schemas.microsoft.com/office/powerpoint/2010/main">
+    <mc:Choice Requires="p14">
       <p:transition spd="slow" p14:dur="1400">
         <p14:doors dir="vert"/>
       </p:transition>
     </mc:Choice>
-    <mc:Fallback>
+    <mc:Fallback xmlns="">
       <p:transition spd="slow">
         <p:fade/>
       </p:transition>
@@ -10405,13 +10405,13 @@
   <p:clrMapOvr>
     <a:masterClrMapping/>
   </p:clrMapOvr>
-  <mc:AlternateContent xmlns:mc="http://schemas.openxmlformats.org/markup-compatibility/2006">
-    <mc:Choice xmlns:p14="http://schemas.microsoft.com/office/powerpoint/2010/main" Requires="p14">
+  <mc:AlternateContent xmlns:mc="http://schemas.openxmlformats.org/markup-compatibility/2006" xmlns:p14="http://schemas.microsoft.com/office/powerpoint/2010/main">
+    <mc:Choice Requires="p14">
       <p:transition spd="slow" p14:dur="1600">
         <p14:conveyor dir="l"/>
       </p:transition>
     </mc:Choice>
-    <mc:Fallback>
+    <mc:Fallback xmlns="">
       <p:transition spd="slow">
         <p:fade/>
       </p:transition>
@@ -10568,13 +10568,13 @@
   <p:clrMapOvr>
     <a:masterClrMapping/>
   </p:clrMapOvr>
-  <mc:AlternateContent xmlns:mc="http://schemas.openxmlformats.org/markup-compatibility/2006">
-    <mc:Choice xmlns:p14="http://schemas.microsoft.com/office/powerpoint/2010/main" Requires="p14">
+  <mc:AlternateContent xmlns:mc="http://schemas.openxmlformats.org/markup-compatibility/2006" xmlns:p14="http://schemas.microsoft.com/office/powerpoint/2010/main">
+    <mc:Choice Requires="p14">
       <p:transition spd="slow" p14:dur="1400">
         <p14:ripple/>
       </p:transition>
     </mc:Choice>
-    <mc:Fallback>
+    <mc:Fallback xmlns="">
       <p:transition spd="slow">
         <p:fade/>
       </p:transition>
@@ -10670,7 +10670,7 @@
         </p:spPr>
         <p:txBody>
           <a:bodyPr spcFirstLastPara="1" wrap="square" lIns="91425" tIns="91425" rIns="91425" bIns="91425" anchor="t" anchorCtr="0">
-            <a:normAutofit lnSpcReduction="10000"/>
+            <a:normAutofit/>
           </a:bodyPr>
           <a:lstStyle/>
           <a:p>
@@ -10685,10 +10685,10 @@
               <a:buChar char="-"/>
             </a:pPr>
             <a:r>
-              <a:rPr lang="ru" sz="1600"/>
+              <a:rPr lang="ru" sz="1600" dirty="0"/>
               <a:t>Если у вас вылетела игра, так и должно быть, одно неверное действие и все с начала</a:t>
             </a:r>
-            <a:endParaRPr sz="1600"/>
+            <a:endParaRPr sz="1600" dirty="0"/>
           </a:p>
           <a:p>
             <a:pPr marL="457200" lvl="0" indent="-330200" algn="l" rtl="0">
@@ -10702,10 +10702,21 @@
               <a:buChar char="-"/>
             </a:pPr>
             <a:r>
-              <a:rPr lang="ru" sz="1600"/>
-              <a:t>мы узнаем если у вас произошла ошибка, игра сама отправит данные о ней и все ваши конфиденциальные данные нам</a:t>
+              <a:rPr lang="ru" sz="1600" dirty="0"/>
+              <a:t>М</a:t>
             </a:r>
-            <a:endParaRPr sz="1600"/>
+            <a:r>
+              <a:rPr lang="ru" sz="1600" dirty="0" smtClean="0"/>
+              <a:t>ы </a:t>
+            </a:r>
+            <a:r>
+              <a:rPr lang="ru" sz="1600" dirty="0"/>
+              <a:t>узнаем если у вас произошла ошибка, игра сама отправит данные о </a:t>
+            </a:r>
+            <a:r>
+              <a:rPr lang="ru" sz="1600" dirty="0" smtClean="0"/>
+              <a:t>ней</a:t>
+            </a:r>
           </a:p>
           <a:p>
             <a:pPr marL="457200" lvl="0" indent="-330200" algn="l" rtl="0">
@@ -10719,43 +10730,10 @@
               <a:buChar char="-"/>
             </a:pPr>
             <a:r>
-              <a:rPr lang="ru" sz="1600"/>
-              <a:t>не беспокойтесь, ваши данные будут использоваться только во благо разработчиков</a:t>
+              <a:rPr lang="ru" sz="1600" dirty="0" smtClean="0"/>
+              <a:t>Данную ошибку мы исправим в течении некоторого времени, просто подождите</a:t>
             </a:r>
-            <a:endParaRPr sz="1600"/>
-          </a:p>
-          <a:p>
-            <a:pPr marL="457200" lvl="0" indent="-330200" algn="l" rtl="0">
-              <a:spcBef>
-                <a:spcPts val="0"/>
-              </a:spcBef>
-              <a:spcAft>
-                <a:spcPts val="0"/>
-              </a:spcAft>
-              <a:buSzPts val="1600"/>
-              <a:buChar char="-"/>
-            </a:pPr>
-            <a:r>
-              <a:rPr lang="ru" sz="1600"/>
-              <a:t>к предыдущему пункту также относиться шантаж, вымогательство, сделки и распространение данных в интернет с различными целями</a:t>
-            </a:r>
-            <a:endParaRPr sz="1600"/>
-          </a:p>
-          <a:p>
-            <a:pPr marL="457200" lvl="0" indent="0" algn="l" rtl="0">
-              <a:spcBef>
-                <a:spcPts val="1200"/>
-              </a:spcBef>
-              <a:spcAft>
-                <a:spcPts val="1200"/>
-              </a:spcAft>
-              <a:buNone/>
-            </a:pPr>
-            <a:r>
-              <a:rPr lang="ru" sz="1600"/>
-              <a:t>P.S. Это еще не реализовано, но обязательно когда нибудь будет </a:t>
-            </a:r>
-            <a:endParaRPr sz="1600"/>
+            <a:endParaRPr sz="1600" dirty="0"/>
           </a:p>
         </p:txBody>
       </p:sp>
@@ -10764,13 +10742,13 @@
   <p:clrMapOvr>
     <a:masterClrMapping/>
   </p:clrMapOvr>
-  <mc:AlternateContent xmlns:mc="http://schemas.openxmlformats.org/markup-compatibility/2006">
-    <mc:Choice xmlns:p14="http://schemas.microsoft.com/office/powerpoint/2010/main" Requires="p14">
+  <mc:AlternateContent xmlns:mc="http://schemas.openxmlformats.org/markup-compatibility/2006" xmlns:p14="http://schemas.microsoft.com/office/powerpoint/2010/main">
+    <mc:Choice Requires="p14">
       <p:transition spd="slow" p14:dur="3000">
         <p14:shred/>
       </p:transition>
     </mc:Choice>
-    <mc:Fallback>
+    <mc:Fallback xmlns="">
       <p:transition spd="slow">
         <p:fade/>
       </p:transition>
@@ -10910,13 +10888,13 @@
   <p:clrMapOvr>
     <a:masterClrMapping/>
   </p:clrMapOvr>
-  <mc:AlternateContent xmlns:mc="http://schemas.openxmlformats.org/markup-compatibility/2006">
-    <mc:Choice xmlns:p14="http://schemas.microsoft.com/office/powerpoint/2010/main" Requires="p14">
+  <mc:AlternateContent xmlns:mc="http://schemas.openxmlformats.org/markup-compatibility/2006" xmlns:p14="http://schemas.microsoft.com/office/powerpoint/2010/main">
+    <mc:Choice Requires="p14">
       <p:transition spd="slow" p14:dur="4000">
         <p14:vortex dir="r"/>
       </p:transition>
     </mc:Choice>
-    <mc:Fallback>
+    <mc:Fallback xmlns="">
       <p:transition spd="slow">
         <p:fade/>
       </p:transition>
@@ -11072,13 +11050,13 @@
   <p:clrMapOvr>
     <a:masterClrMapping/>
   </p:clrMapOvr>
-  <mc:AlternateContent xmlns:mc="http://schemas.openxmlformats.org/markup-compatibility/2006">
-    <mc:Choice xmlns:p14="http://schemas.microsoft.com/office/powerpoint/2010/main" Requires="p14">
+  <mc:AlternateContent xmlns:mc="http://schemas.openxmlformats.org/markup-compatibility/2006" xmlns:p14="http://schemas.microsoft.com/office/powerpoint/2010/main">
+    <mc:Choice Requires="p14">
       <p:transition spd="slow" p14:dur="3900">
         <p14:glitter pattern="hexagon"/>
       </p:transition>
     </mc:Choice>
-    <mc:Fallback>
+    <mc:Fallback xmlns="">
       <p:transition spd="slow">
         <p:fade/>
       </p:transition>
